--- a/2023_review1/PPT/TOURIST GUIDE MANAGEMENT SYSTEM.pptx
+++ b/2023_review1/PPT/TOURIST GUIDE MANAGEMENT SYSTEM.pptx
@@ -5,23 +5,23 @@
     <p:sldMasterId id="2147483648" r:id="rId1"/>
   </p:sldMasterIdLst>
   <p:notesMasterIdLst>
-    <p:notesMasterId r:id="rId16"/>
+    <p:notesMasterId r:id="rId15"/>
   </p:notesMasterIdLst>
   <p:sldIdLst>
-    <p:sldId id="256" r:id="rId2"/>
-    <p:sldId id="257" r:id="rId3"/>
-    <p:sldId id="258" r:id="rId4"/>
-    <p:sldId id="259" r:id="rId5"/>
-    <p:sldId id="260" r:id="rId6"/>
-    <p:sldId id="261" r:id="rId7"/>
-    <p:sldId id="262" r:id="rId8"/>
-    <p:sldId id="263" r:id="rId9"/>
-    <p:sldId id="264" r:id="rId10"/>
-    <p:sldId id="265" r:id="rId11"/>
-    <p:sldId id="269" r:id="rId12"/>
-    <p:sldId id="266" r:id="rId13"/>
-    <p:sldId id="267" r:id="rId14"/>
-    <p:sldId id="268" r:id="rId15"/>
+    <p:sldId id="256" r:id="rId3"/>
+    <p:sldId id="257" r:id="rId4"/>
+    <p:sldId id="258" r:id="rId5"/>
+    <p:sldId id="259" r:id="rId6"/>
+    <p:sldId id="260" r:id="rId7"/>
+    <p:sldId id="261" r:id="rId8"/>
+    <p:sldId id="262" r:id="rId9"/>
+    <p:sldId id="263" r:id="rId10"/>
+    <p:sldId id="264" r:id="rId11"/>
+    <p:sldId id="265" r:id="rId12"/>
+    <p:sldId id="269" r:id="rId13"/>
+    <p:sldId id="266" r:id="rId14"/>
+    <p:sldId id="267" r:id="rId16"/>
+    <p:sldId id="268" r:id="rId17"/>
   </p:sldIdLst>
   <p:sldSz cx="9144000" cy="6858000" type="screen4x3"/>
   <p:notesSz cx="6858000" cy="9144000"/>
@@ -120,22 +120,6 @@
       </a:defRPr>
     </a:lvl9pPr>
   </p:defaultTextStyle>
-  <p:extLst>
-    <p:ext uri="{EFAFB233-063F-42B5-8137-9DF3F51BA10A}">
-      <p15:sldGuideLst xmlns:p15="http://schemas.microsoft.com/office/powerpoint/2012/main">
-        <p15:guide id="1" orient="horz" pos="2160">
-          <p15:clr>
-            <a:srgbClr val="A4A3A4"/>
-          </p15:clr>
-        </p15:guide>
-        <p15:guide id="2" pos="2880">
-          <p15:clr>
-            <a:srgbClr val="A4A3A4"/>
-          </p15:clr>
-        </p15:guide>
-      </p15:sldGuideLst>
-    </p:ext>
-  </p:extLst>
 </p:presentation>
 </file>
 
@@ -221,8 +205,6 @@
           <a:p>
             <a:fld id="{3EFD42F7-718C-4B98-AAEC-167E6DDD60A7}" type="datetimeFigureOut">
               <a:rPr lang="en-US" smtClean="0"/>
-              <a:pPr/>
-              <a:t>2/5/2023</a:t>
             </a:fld>
             <a:endParaRPr lang="en-US"/>
           </a:p>
@@ -289,6 +271,7 @@
               <a:rPr lang="en-US"/>
               <a:t>Click to edit Master text styles</a:t>
             </a:r>
+            <a:endParaRPr lang="en-US"/>
           </a:p>
           <a:p>
             <a:pPr lvl="1"/>
@@ -296,6 +279,7 @@
               <a:rPr lang="en-US"/>
               <a:t>Second level</a:t>
             </a:r>
+            <a:endParaRPr lang="en-US"/>
           </a:p>
           <a:p>
             <a:pPr lvl="2"/>
@@ -303,6 +287,7 @@
               <a:rPr lang="en-US"/>
               <a:t>Third level</a:t>
             </a:r>
+            <a:endParaRPr lang="en-US"/>
           </a:p>
           <a:p>
             <a:pPr lvl="3"/>
@@ -310,6 +295,7 @@
               <a:rPr lang="en-US"/>
               <a:t>Fourth level</a:t>
             </a:r>
+            <a:endParaRPr lang="en-US"/>
           </a:p>
           <a:p>
             <a:pPr lvl="4"/>
@@ -317,6 +303,7 @@
               <a:rPr lang="en-US"/>
               <a:t>Fifth level</a:t>
             </a:r>
+            <a:endParaRPr lang="en-US"/>
           </a:p>
         </p:txBody>
       </p:sp>
@@ -380,19 +367,12 @@
           <a:p>
             <a:fld id="{21B2AA4F-B828-4D7C-AFD3-893933DAFCB4}" type="slidenum">
               <a:rPr lang="en-US" smtClean="0"/>
-              <a:pPr/>
-              <a:t>‹#›</a:t>
             </a:fld>
             <a:endParaRPr lang="en-US"/>
           </a:p>
         </p:txBody>
       </p:sp>
     </p:spTree>
-    <p:extLst>
-      <p:ext uri="{BB962C8B-B14F-4D97-AF65-F5344CB8AC3E}">
-        <p14:creationId xmlns:p14="http://schemas.microsoft.com/office/powerpoint/2010/main" val="3370683454"/>
-      </p:ext>
-    </p:extLst>
   </p:cSld>
   <p:clrMap bg1="lt1" tx1="dk1" bg2="lt2" tx2="dk2" accent1="accent1" accent2="accent2" accent3="accent3" accent4="accent4" accent5="accent5" accent6="accent6" hlink="hlink" folHlink="folHlink"/>
   <p:notesStyle>
@@ -539,11 +519,6 @@
         </p:txBody>
       </p:sp>
     </p:spTree>
-    <p:extLst>
-      <p:ext uri="{BB962C8B-B14F-4D97-AF65-F5344CB8AC3E}">
-        <p14:creationId xmlns:p14="http://schemas.microsoft.com/office/powerpoint/2010/main" val="1525836971"/>
-      </p:ext>
-    </p:extLst>
   </p:cSld>
   <p:clrMapOvr>
     <a:masterClrMapping/>
@@ -552,7 +527,7 @@
 </file>
 
 <file path=ppt/slideLayouts/slideLayout1.xml><?xml version="1.0" encoding="utf-8"?>
-<p:sldLayout xmlns:a="http://schemas.openxmlformats.org/drawingml/2006/main" xmlns:r="http://schemas.openxmlformats.org/officeDocument/2006/relationships" xmlns:p="http://schemas.openxmlformats.org/presentationml/2006/main" showMasterSp="0" type="title" preserve="1">
+<p:sldLayout xmlns:a="http://schemas.openxmlformats.org/drawingml/2006/main" xmlns:r="http://schemas.openxmlformats.org/officeDocument/2006/relationships" xmlns:p="http://schemas.openxmlformats.org/presentationml/2006/main" type="title" preserve="1" showMasterSp="0">
   <p:cSld name="Title Slide">
     <p:spTree>
       <p:nvGrpSpPr>
@@ -686,6 +661,7 @@
               <a:rPr kumimoji="0" lang="en-US"/>
               <a:t>Click to edit Master title style</a:t>
             </a:r>
+            <a:endParaRPr kumimoji="0" lang="en-US"/>
           </a:p>
         </p:txBody>
       </p:sp>
@@ -746,6 +722,7 @@
               <a:rPr kumimoji="0" lang="en-US"/>
               <a:t>Click to edit Master subtitle style</a:t>
             </a:r>
+            <a:endParaRPr kumimoji="0" lang="en-US"/>
           </a:p>
         </p:txBody>
       </p:sp>
@@ -1157,8 +1134,6 @@
           <a:p>
             <a:fld id="{79D843A9-3C7A-4134-A01A-FDBE24FA9F0E}" type="datetimeFigureOut">
               <a:rPr lang="en-US" smtClean="0"/>
-              <a:pPr/>
-              <a:t>2/5/2023</a:t>
             </a:fld>
             <a:endParaRPr lang="en-IN"/>
           </a:p>
@@ -1218,8 +1193,6 @@
           <a:p>
             <a:fld id="{A3729982-FFDC-4771-BC60-CD1468B6D3CE}" type="slidenum">
               <a:rPr lang="en-IN" smtClean="0"/>
-              <a:pPr/>
-              <a:t>‹#›</a:t>
             </a:fld>
             <a:endParaRPr lang="en-IN"/>
           </a:p>
@@ -1269,6 +1242,7 @@
               <a:rPr kumimoji="0" lang="en-US"/>
               <a:t>Click to edit Master title style</a:t>
             </a:r>
+            <a:endParaRPr kumimoji="0" lang="en-US"/>
           </a:p>
         </p:txBody>
       </p:sp>
@@ -1297,6 +1271,7 @@
               <a:rPr lang="en-US"/>
               <a:t>Click to edit Master text styles</a:t>
             </a:r>
+            <a:endParaRPr lang="en-US"/>
           </a:p>
           <a:p>
             <a:pPr lvl="1" eaLnBrk="1" latinLnBrk="0" hangingPunct="1"/>
@@ -1304,6 +1279,7 @@
               <a:rPr lang="en-US"/>
               <a:t>Second level</a:t>
             </a:r>
+            <a:endParaRPr lang="en-US"/>
           </a:p>
           <a:p>
             <a:pPr lvl="2" eaLnBrk="1" latinLnBrk="0" hangingPunct="1"/>
@@ -1311,6 +1287,7 @@
               <a:rPr lang="en-US"/>
               <a:t>Third level</a:t>
             </a:r>
+            <a:endParaRPr lang="en-US"/>
           </a:p>
           <a:p>
             <a:pPr lvl="3" eaLnBrk="1" latinLnBrk="0" hangingPunct="1"/>
@@ -1318,6 +1295,7 @@
               <a:rPr lang="en-US"/>
               <a:t>Fourth level</a:t>
             </a:r>
+            <a:endParaRPr lang="en-US"/>
           </a:p>
           <a:p>
             <a:pPr lvl="4" eaLnBrk="1" latinLnBrk="0" hangingPunct="1"/>
@@ -1346,8 +1324,6 @@
           <a:p>
             <a:fld id="{79D843A9-3C7A-4134-A01A-FDBE24FA9F0E}" type="datetimeFigureOut">
               <a:rPr lang="en-US" smtClean="0"/>
-              <a:pPr/>
-              <a:t>2/5/2023</a:t>
             </a:fld>
             <a:endParaRPr lang="en-IN"/>
           </a:p>
@@ -1389,8 +1365,6 @@
           <a:p>
             <a:fld id="{A3729982-FFDC-4771-BC60-CD1468B6D3CE}" type="slidenum">
               <a:rPr lang="en-IN" smtClean="0"/>
-              <a:pPr/>
-              <a:t>‹#›</a:t>
             </a:fld>
             <a:endParaRPr lang="en-IN"/>
           </a:p>
@@ -1445,6 +1419,7 @@
               <a:rPr kumimoji="0" lang="en-US"/>
               <a:t>Click to edit Master title style</a:t>
             </a:r>
+            <a:endParaRPr kumimoji="0" lang="en-US"/>
           </a:p>
         </p:txBody>
       </p:sp>
@@ -1473,6 +1448,7 @@
               <a:rPr lang="en-US"/>
               <a:t>Click to edit Master text styles</a:t>
             </a:r>
+            <a:endParaRPr lang="en-US"/>
           </a:p>
           <a:p>
             <a:pPr lvl="1" eaLnBrk="1" latinLnBrk="0" hangingPunct="1"/>
@@ -1480,6 +1456,7 @@
               <a:rPr lang="en-US"/>
               <a:t>Second level</a:t>
             </a:r>
+            <a:endParaRPr lang="en-US"/>
           </a:p>
           <a:p>
             <a:pPr lvl="2" eaLnBrk="1" latinLnBrk="0" hangingPunct="1"/>
@@ -1487,6 +1464,7 @@
               <a:rPr lang="en-US"/>
               <a:t>Third level</a:t>
             </a:r>
+            <a:endParaRPr lang="en-US"/>
           </a:p>
           <a:p>
             <a:pPr lvl="3" eaLnBrk="1" latinLnBrk="0" hangingPunct="1"/>
@@ -1494,6 +1472,7 @@
               <a:rPr lang="en-US"/>
               <a:t>Fourth level</a:t>
             </a:r>
+            <a:endParaRPr lang="en-US"/>
           </a:p>
           <a:p>
             <a:pPr lvl="4" eaLnBrk="1" latinLnBrk="0" hangingPunct="1"/>
@@ -1522,8 +1501,6 @@
           <a:p>
             <a:fld id="{79D843A9-3C7A-4134-A01A-FDBE24FA9F0E}" type="datetimeFigureOut">
               <a:rPr lang="en-US" smtClean="0"/>
-              <a:pPr/>
-              <a:t>2/5/2023</a:t>
             </a:fld>
             <a:endParaRPr lang="en-IN"/>
           </a:p>
@@ -1565,8 +1542,6 @@
           <a:p>
             <a:fld id="{A3729982-FFDC-4771-BC60-CD1468B6D3CE}" type="slidenum">
               <a:rPr lang="en-IN" smtClean="0"/>
-              <a:pPr/>
-              <a:t>‹#›</a:t>
             </a:fld>
             <a:endParaRPr lang="en-IN"/>
           </a:p>
@@ -1617,6 +1592,7 @@
               <a:rPr lang="en-US"/>
               <a:t>Click to edit Master text styles</a:t>
             </a:r>
+            <a:endParaRPr lang="en-US"/>
           </a:p>
           <a:p>
             <a:pPr lvl="1" eaLnBrk="1" latinLnBrk="0" hangingPunct="1"/>
@@ -1624,6 +1600,7 @@
               <a:rPr lang="en-US"/>
               <a:t>Second level</a:t>
             </a:r>
+            <a:endParaRPr lang="en-US"/>
           </a:p>
           <a:p>
             <a:pPr lvl="2" eaLnBrk="1" latinLnBrk="0" hangingPunct="1"/>
@@ -1631,6 +1608,7 @@
               <a:rPr lang="en-US"/>
               <a:t>Third level</a:t>
             </a:r>
+            <a:endParaRPr lang="en-US"/>
           </a:p>
           <a:p>
             <a:pPr lvl="3" eaLnBrk="1" latinLnBrk="0" hangingPunct="1"/>
@@ -1638,6 +1616,7 @@
               <a:rPr lang="en-US"/>
               <a:t>Fourth level</a:t>
             </a:r>
+            <a:endParaRPr lang="en-US"/>
           </a:p>
           <a:p>
             <a:pPr lvl="4" eaLnBrk="1" latinLnBrk="0" hangingPunct="1"/>
@@ -1666,8 +1645,6 @@
           <a:p>
             <a:fld id="{79D843A9-3C7A-4134-A01A-FDBE24FA9F0E}" type="datetimeFigureOut">
               <a:rPr lang="en-US" smtClean="0"/>
-              <a:pPr/>
-              <a:t>2/5/2023</a:t>
             </a:fld>
             <a:endParaRPr lang="en-IN"/>
           </a:p>
@@ -1709,8 +1686,6 @@
           <a:p>
             <a:fld id="{A3729982-FFDC-4771-BC60-CD1468B6D3CE}" type="slidenum">
               <a:rPr lang="en-IN" smtClean="0"/>
-              <a:pPr/>
-              <a:t>‹#›</a:t>
             </a:fld>
             <a:endParaRPr lang="en-IN"/>
           </a:p>
@@ -1735,6 +1710,7 @@
               <a:rPr kumimoji="0" lang="en-US"/>
               <a:t>Click to edit Master title style</a:t>
             </a:r>
+            <a:endParaRPr kumimoji="0" lang="en-US"/>
           </a:p>
         </p:txBody>
       </p:sp>
@@ -1814,6 +1790,7 @@
               <a:rPr kumimoji="0" lang="en-US"/>
               <a:t>Click to edit Master title style</a:t>
             </a:r>
+            <a:endParaRPr kumimoji="0" lang="en-US"/>
           </a:p>
         </p:txBody>
       </p:sp>
@@ -1891,6 +1868,7 @@
               <a:rPr kumimoji="0" lang="en-US"/>
               <a:t>Click to edit Master text styles</a:t>
             </a:r>
+            <a:endParaRPr kumimoji="0" lang="en-US"/>
           </a:p>
         </p:txBody>
       </p:sp>
@@ -1911,8 +1889,6 @@
           <a:p>
             <a:fld id="{79D843A9-3C7A-4134-A01A-FDBE24FA9F0E}" type="datetimeFigureOut">
               <a:rPr lang="en-US" smtClean="0"/>
-              <a:pPr/>
-              <a:t>2/5/2023</a:t>
             </a:fld>
             <a:endParaRPr lang="en-IN"/>
           </a:p>
@@ -1954,8 +1930,6 @@
           <a:p>
             <a:fld id="{A3729982-FFDC-4771-BC60-CD1468B6D3CE}" type="slidenum">
               <a:rPr lang="en-IN" smtClean="0"/>
-              <a:pPr/>
-              <a:t>‹#›</a:t>
             </a:fld>
             <a:endParaRPr lang="en-IN"/>
           </a:p>
@@ -2188,6 +2162,7 @@
               <a:rPr lang="en-US"/>
               <a:t>Click to edit Master text styles</a:t>
             </a:r>
+            <a:endParaRPr lang="en-US"/>
           </a:p>
           <a:p>
             <a:pPr lvl="1" eaLnBrk="1" latinLnBrk="0" hangingPunct="1"/>
@@ -2195,6 +2170,7 @@
               <a:rPr lang="en-US"/>
               <a:t>Second level</a:t>
             </a:r>
+            <a:endParaRPr lang="en-US"/>
           </a:p>
           <a:p>
             <a:pPr lvl="2" eaLnBrk="1" latinLnBrk="0" hangingPunct="1"/>
@@ -2202,6 +2178,7 @@
               <a:rPr lang="en-US"/>
               <a:t>Third level</a:t>
             </a:r>
+            <a:endParaRPr lang="en-US"/>
           </a:p>
           <a:p>
             <a:pPr lvl="3" eaLnBrk="1" latinLnBrk="0" hangingPunct="1"/>
@@ -2209,6 +2186,7 @@
               <a:rPr lang="en-US"/>
               <a:t>Fourth level</a:t>
             </a:r>
+            <a:endParaRPr lang="en-US"/>
           </a:p>
           <a:p>
             <a:pPr lvl="4" eaLnBrk="1" latinLnBrk="0" hangingPunct="1"/>
@@ -2261,6 +2239,7 @@
               <a:rPr lang="en-US"/>
               <a:t>Click to edit Master text styles</a:t>
             </a:r>
+            <a:endParaRPr lang="en-US"/>
           </a:p>
           <a:p>
             <a:pPr lvl="1" eaLnBrk="1" latinLnBrk="0" hangingPunct="1"/>
@@ -2268,6 +2247,7 @@
               <a:rPr lang="en-US"/>
               <a:t>Second level</a:t>
             </a:r>
+            <a:endParaRPr lang="en-US"/>
           </a:p>
           <a:p>
             <a:pPr lvl="2" eaLnBrk="1" latinLnBrk="0" hangingPunct="1"/>
@@ -2275,6 +2255,7 @@
               <a:rPr lang="en-US"/>
               <a:t>Third level</a:t>
             </a:r>
+            <a:endParaRPr lang="en-US"/>
           </a:p>
           <a:p>
             <a:pPr lvl="3" eaLnBrk="1" latinLnBrk="0" hangingPunct="1"/>
@@ -2282,6 +2263,7 @@
               <a:rPr lang="en-US"/>
               <a:t>Fourth level</a:t>
             </a:r>
+            <a:endParaRPr lang="en-US"/>
           </a:p>
           <a:p>
             <a:pPr lvl="4" eaLnBrk="1" latinLnBrk="0" hangingPunct="1"/>
@@ -2310,8 +2292,6 @@
           <a:p>
             <a:fld id="{79D843A9-3C7A-4134-A01A-FDBE24FA9F0E}" type="datetimeFigureOut">
               <a:rPr lang="en-US" smtClean="0"/>
-              <a:pPr/>
-              <a:t>2/5/2023</a:t>
             </a:fld>
             <a:endParaRPr lang="en-IN"/>
           </a:p>
@@ -2353,8 +2333,6 @@
           <a:p>
             <a:fld id="{A3729982-FFDC-4771-BC60-CD1468B6D3CE}" type="slidenum">
               <a:rPr lang="en-IN" smtClean="0"/>
-              <a:pPr/>
-              <a:t>‹#›</a:t>
             </a:fld>
             <a:endParaRPr lang="en-IN"/>
           </a:p>
@@ -2379,6 +2357,7 @@
               <a:rPr kumimoji="0" lang="en-US"/>
               <a:t>Click to edit Master title style</a:t>
             </a:r>
+            <a:endParaRPr kumimoji="0" lang="en-US"/>
           </a:p>
         </p:txBody>
       </p:sp>
@@ -2391,7 +2370,7 @@
 </file>
 
 <file path=ppt/slideLayouts/slideLayout5.xml><?xml version="1.0" encoding="utf-8"?>
-<p:sldLayout xmlns:a="http://schemas.openxmlformats.org/drawingml/2006/main" xmlns:r="http://schemas.openxmlformats.org/officeDocument/2006/relationships" xmlns:p="http://schemas.openxmlformats.org/presentationml/2006/main" showMasterSp="0" type="twoTxTwoObj" preserve="1">
+<p:sldLayout xmlns:a="http://schemas.openxmlformats.org/drawingml/2006/main" xmlns:r="http://schemas.openxmlformats.org/officeDocument/2006/relationships" xmlns:p="http://schemas.openxmlformats.org/presentationml/2006/main" type="twoTxTwoObj" preserve="1" showMasterSp="0">
   <p:cSld name="Comparison">
     <p:bg>
       <p:bgRef idx="1003">
@@ -2440,6 +2419,7 @@
               <a:rPr kumimoji="0" lang="en-US"/>
               <a:t>Click to edit Master title style</a:t>
             </a:r>
+            <a:endParaRPr kumimoji="0" lang="en-US"/>
           </a:p>
         </p:txBody>
       </p:sp>
@@ -2502,6 +2482,7 @@
               <a:rPr kumimoji="0" lang="en-US"/>
               <a:t>Click to edit Master text styles</a:t>
             </a:r>
+            <a:endParaRPr kumimoji="0" lang="en-US"/>
           </a:p>
         </p:txBody>
       </p:sp>
@@ -2564,6 +2545,7 @@
               <a:rPr kumimoji="0" lang="en-US"/>
               <a:t>Click to edit Master text styles</a:t>
             </a:r>
+            <a:endParaRPr kumimoji="0" lang="en-US"/>
           </a:p>
         </p:txBody>
       </p:sp>
@@ -2613,6 +2595,7 @@
               <a:rPr lang="en-US"/>
               <a:t>Click to edit Master text styles</a:t>
             </a:r>
+            <a:endParaRPr lang="en-US"/>
           </a:p>
           <a:p>
             <a:pPr lvl="1" eaLnBrk="1" latinLnBrk="0" hangingPunct="1"/>
@@ -2620,6 +2603,7 @@
               <a:rPr lang="en-US"/>
               <a:t>Second level</a:t>
             </a:r>
+            <a:endParaRPr lang="en-US"/>
           </a:p>
           <a:p>
             <a:pPr lvl="2" eaLnBrk="1" latinLnBrk="0" hangingPunct="1"/>
@@ -2627,6 +2611,7 @@
               <a:rPr lang="en-US"/>
               <a:t>Third level</a:t>
             </a:r>
+            <a:endParaRPr lang="en-US"/>
           </a:p>
           <a:p>
             <a:pPr lvl="3" eaLnBrk="1" latinLnBrk="0" hangingPunct="1"/>
@@ -2634,6 +2619,7 @@
               <a:rPr lang="en-US"/>
               <a:t>Fourth level</a:t>
             </a:r>
+            <a:endParaRPr lang="en-US"/>
           </a:p>
           <a:p>
             <a:pPr lvl="4" eaLnBrk="1" latinLnBrk="0" hangingPunct="1"/>
@@ -2694,6 +2680,7 @@
               <a:rPr lang="en-US"/>
               <a:t>Click to edit Master text styles</a:t>
             </a:r>
+            <a:endParaRPr lang="en-US"/>
           </a:p>
           <a:p>
             <a:pPr lvl="1" eaLnBrk="1" latinLnBrk="0" hangingPunct="1"/>
@@ -2701,6 +2688,7 @@
               <a:rPr lang="en-US"/>
               <a:t>Second level</a:t>
             </a:r>
+            <a:endParaRPr lang="en-US"/>
           </a:p>
           <a:p>
             <a:pPr lvl="2" eaLnBrk="1" latinLnBrk="0" hangingPunct="1"/>
@@ -2708,6 +2696,7 @@
               <a:rPr lang="en-US"/>
               <a:t>Third level</a:t>
             </a:r>
+            <a:endParaRPr lang="en-US"/>
           </a:p>
           <a:p>
             <a:pPr lvl="3" eaLnBrk="1" latinLnBrk="0" hangingPunct="1"/>
@@ -2715,6 +2704,7 @@
               <a:rPr lang="en-US"/>
               <a:t>Fourth level</a:t>
             </a:r>
+            <a:endParaRPr lang="en-US"/>
           </a:p>
           <a:p>
             <a:pPr lvl="4" eaLnBrk="1" latinLnBrk="0" hangingPunct="1"/>
@@ -2743,8 +2733,6 @@
           <a:p>
             <a:fld id="{79D843A9-3C7A-4134-A01A-FDBE24FA9F0E}" type="datetimeFigureOut">
               <a:rPr lang="en-US" smtClean="0"/>
-              <a:pPr/>
-              <a:t>2/5/2023</a:t>
             </a:fld>
             <a:endParaRPr lang="en-IN"/>
           </a:p>
@@ -2786,8 +2774,6 @@
           <a:p>
             <a:fld id="{A3729982-FFDC-4771-BC60-CD1468B6D3CE}" type="slidenum">
               <a:rPr lang="en-IN" smtClean="0"/>
-              <a:pPr/>
-              <a:t>‹#›</a:t>
             </a:fld>
             <a:endParaRPr lang="en-IN"/>
           </a:p>
@@ -2840,8 +2826,6 @@
           <a:p>
             <a:fld id="{79D843A9-3C7A-4134-A01A-FDBE24FA9F0E}" type="datetimeFigureOut">
               <a:rPr lang="en-US" smtClean="0"/>
-              <a:pPr/>
-              <a:t>2/5/2023</a:t>
             </a:fld>
             <a:endParaRPr lang="en-IN"/>
           </a:p>
@@ -2883,8 +2867,6 @@
           <a:p>
             <a:fld id="{A3729982-FFDC-4771-BC60-CD1468B6D3CE}" type="slidenum">
               <a:rPr lang="en-IN" smtClean="0"/>
-              <a:pPr/>
-              <a:t>‹#›</a:t>
             </a:fld>
             <a:endParaRPr lang="en-IN"/>
           </a:p>
@@ -2909,6 +2891,7 @@
               <a:rPr kumimoji="0" lang="en-US"/>
               <a:t>Click to edit Master title style</a:t>
             </a:r>
+            <a:endParaRPr kumimoji="0" lang="en-US"/>
           </a:p>
         </p:txBody>
       </p:sp>
@@ -2954,8 +2937,6 @@
           <a:p>
             <a:fld id="{79D843A9-3C7A-4134-A01A-FDBE24FA9F0E}" type="datetimeFigureOut">
               <a:rPr lang="en-US" smtClean="0"/>
-              <a:pPr/>
-              <a:t>2/5/2023</a:t>
             </a:fld>
             <a:endParaRPr lang="en-IN"/>
           </a:p>
@@ -2997,8 +2978,6 @@
           <a:p>
             <a:fld id="{A3729982-FFDC-4771-BC60-CD1468B6D3CE}" type="slidenum">
               <a:rPr lang="en-IN" smtClean="0"/>
-              <a:pPr/>
-              <a:t>‹#›</a:t>
             </a:fld>
             <a:endParaRPr lang="en-IN"/>
           </a:p>
@@ -3013,7 +2992,7 @@
 </file>
 
 <file path=ppt/slideLayouts/slideLayout8.xml><?xml version="1.0" encoding="utf-8"?>
-<p:sldLayout xmlns:a="http://schemas.openxmlformats.org/drawingml/2006/main" xmlns:r="http://schemas.openxmlformats.org/officeDocument/2006/relationships" xmlns:p="http://schemas.openxmlformats.org/presentationml/2006/main" showMasterSp="0" type="objTx" preserve="1">
+<p:sldLayout xmlns:a="http://schemas.openxmlformats.org/drawingml/2006/main" xmlns:r="http://schemas.openxmlformats.org/officeDocument/2006/relationships" xmlns:p="http://schemas.openxmlformats.org/presentationml/2006/main" type="objTx" preserve="1" showMasterSp="0">
   <p:cSld name="Content with Caption">
     <p:bg>
       <p:bgRef idx="1003">
@@ -3073,6 +3052,7 @@
               <a:rPr kumimoji="0" lang="en-US"/>
               <a:t>Click to edit Master title style</a:t>
             </a:r>
+            <a:endParaRPr kumimoji="0" lang="en-US"/>
           </a:p>
         </p:txBody>
       </p:sp>
@@ -3122,6 +3102,7 @@
               <a:rPr kumimoji="0" lang="en-US"/>
               <a:t>Click to edit Master text styles</a:t>
             </a:r>
+            <a:endParaRPr kumimoji="0" lang="en-US"/>
           </a:p>
         </p:txBody>
       </p:sp>
@@ -3166,6 +3147,7 @@
               <a:rPr lang="en-US"/>
               <a:t>Click to edit Master text styles</a:t>
             </a:r>
+            <a:endParaRPr lang="en-US"/>
           </a:p>
           <a:p>
             <a:pPr lvl="1" eaLnBrk="1" latinLnBrk="0" hangingPunct="1"/>
@@ -3173,6 +3155,7 @@
               <a:rPr lang="en-US"/>
               <a:t>Second level</a:t>
             </a:r>
+            <a:endParaRPr lang="en-US"/>
           </a:p>
           <a:p>
             <a:pPr lvl="2" eaLnBrk="1" latinLnBrk="0" hangingPunct="1"/>
@@ -3180,6 +3163,7 @@
               <a:rPr lang="en-US"/>
               <a:t>Third level</a:t>
             </a:r>
+            <a:endParaRPr lang="en-US"/>
           </a:p>
           <a:p>
             <a:pPr lvl="3" eaLnBrk="1" latinLnBrk="0" hangingPunct="1"/>
@@ -3187,6 +3171,7 @@
               <a:rPr lang="en-US"/>
               <a:t>Fourth level</a:t>
             </a:r>
+            <a:endParaRPr lang="en-US"/>
           </a:p>
           <a:p>
             <a:pPr lvl="4" eaLnBrk="1" latinLnBrk="0" hangingPunct="1"/>
@@ -3220,8 +3205,6 @@
           <a:p>
             <a:fld id="{79D843A9-3C7A-4134-A01A-FDBE24FA9F0E}" type="datetimeFigureOut">
               <a:rPr lang="en-US" smtClean="0"/>
-              <a:pPr/>
-              <a:t>2/5/2023</a:t>
             </a:fld>
             <a:endParaRPr lang="en-IN"/>
           </a:p>
@@ -3263,8 +3246,6 @@
           <a:p>
             <a:fld id="{A3729982-FFDC-4771-BC60-CD1468B6D3CE}" type="slidenum">
               <a:rPr lang="en-IN" smtClean="0"/>
-              <a:pPr/>
-              <a:t>‹#›</a:t>
             </a:fld>
             <a:endParaRPr lang="en-IN"/>
           </a:p>
@@ -3279,7 +3260,7 @@
 </file>
 
 <file path=ppt/slideLayouts/slideLayout9.xml><?xml version="1.0" encoding="utf-8"?>
-<p:sldLayout xmlns:a="http://schemas.openxmlformats.org/drawingml/2006/main" xmlns:r="http://schemas.openxmlformats.org/officeDocument/2006/relationships" xmlns:p="http://schemas.openxmlformats.org/presentationml/2006/main" showMasterSp="0" type="picTx" preserve="1">
+<p:sldLayout xmlns:a="http://schemas.openxmlformats.org/drawingml/2006/main" xmlns:r="http://schemas.openxmlformats.org/officeDocument/2006/relationships" xmlns:p="http://schemas.openxmlformats.org/presentationml/2006/main" type="picTx" preserve="1" showMasterSp="0">
   <p:cSld name="Picture with Caption">
     <p:bg>
       <p:bgRef idx="1002">
@@ -3343,6 +3324,7 @@
               <a:rPr kumimoji="0" lang="en-US"/>
               <a:t>Click to edit Master text styles</a:t>
             </a:r>
+            <a:endParaRPr kumimoji="0" lang="en-US"/>
           </a:p>
         </p:txBody>
       </p:sp>
@@ -3420,8 +3402,6 @@
           <a:p>
             <a:fld id="{79D843A9-3C7A-4134-A01A-FDBE24FA9F0E}" type="datetimeFigureOut">
               <a:rPr lang="en-US" smtClean="0"/>
-              <a:pPr/>
-              <a:t>2/5/2023</a:t>
             </a:fld>
             <a:endParaRPr lang="en-IN"/>
           </a:p>
@@ -3484,8 +3464,6 @@
           <a:p>
             <a:fld id="{A3729982-FFDC-4771-BC60-CD1468B6D3CE}" type="slidenum">
               <a:rPr lang="en-IN" smtClean="0"/>
-              <a:pPr/>
-              <a:t>‹#›</a:t>
             </a:fld>
             <a:endParaRPr lang="en-IN"/>
           </a:p>
@@ -3534,6 +3512,7 @@
               <a:rPr kumimoji="0" lang="en-US"/>
               <a:t>Click to edit Master title style</a:t>
             </a:r>
+            <a:endParaRPr kumimoji="0" lang="en-US"/>
           </a:p>
         </p:txBody>
       </p:sp>
@@ -4214,7 +4193,7 @@
             <a:avLst/>
           </a:prstGeom>
           <a:blipFill>
-            <a:blip r:embed="rId13">
+            <a:blip r:embed="rId12">
               <a:alphaModFix amt="50000"/>
             </a:blip>
             <a:tile tx="0" ty="0" sx="50000" sy="50000" flip="none" algn="t"/>
@@ -4395,6 +4374,7 @@
               <a:rPr kumimoji="0" lang="en-US"/>
               <a:t>Click to edit Master title style</a:t>
             </a:r>
+            <a:endParaRPr kumimoji="0" lang="en-US"/>
           </a:p>
         </p:txBody>
       </p:sp>
@@ -4428,6 +4408,7 @@
               <a:rPr kumimoji="0" lang="en-US"/>
               <a:t>Click to edit Master text styles</a:t>
             </a:r>
+            <a:endParaRPr kumimoji="0" lang="en-US"/>
           </a:p>
           <a:p>
             <a:pPr lvl="1" eaLnBrk="1" latinLnBrk="0" hangingPunct="1"/>
@@ -4435,6 +4416,7 @@
               <a:rPr kumimoji="0" lang="en-US"/>
               <a:t>Second level</a:t>
             </a:r>
+            <a:endParaRPr kumimoji="0" lang="en-US"/>
           </a:p>
           <a:p>
             <a:pPr lvl="2" eaLnBrk="1" latinLnBrk="0" hangingPunct="1"/>
@@ -4442,6 +4424,7 @@
               <a:rPr kumimoji="0" lang="en-US"/>
               <a:t>Third level</a:t>
             </a:r>
+            <a:endParaRPr kumimoji="0" lang="en-US"/>
           </a:p>
           <a:p>
             <a:pPr lvl="3" eaLnBrk="1" latinLnBrk="0" hangingPunct="1"/>
@@ -4449,6 +4432,7 @@
               <a:rPr kumimoji="0" lang="en-US"/>
               <a:t>Fourth level</a:t>
             </a:r>
+            <a:endParaRPr kumimoji="0" lang="en-US"/>
           </a:p>
           <a:p>
             <a:pPr lvl="4" eaLnBrk="1" latinLnBrk="0" hangingPunct="1"/>
@@ -4456,6 +4440,7 @@
               <a:rPr kumimoji="0" lang="en-US"/>
               <a:t>Fifth level</a:t>
             </a:r>
+            <a:endParaRPr kumimoji="0" lang="en-US"/>
           </a:p>
         </p:txBody>
       </p:sp>
@@ -4492,8 +4477,6 @@
           <a:p>
             <a:fld id="{79D843A9-3C7A-4134-A01A-FDBE24FA9F0E}" type="datetimeFigureOut">
               <a:rPr lang="en-US" smtClean="0"/>
-              <a:pPr/>
-              <a:t>2/5/2023</a:t>
             </a:fld>
             <a:endParaRPr lang="en-IN"/>
           </a:p>
@@ -4567,8 +4550,6 @@
           <a:p>
             <a:fld id="{A3729982-FFDC-4771-BC60-CD1468B6D3CE}" type="slidenum">
               <a:rPr lang="en-IN" smtClean="0"/>
-              <a:pPr/>
-              <a:t>‹#›</a:t>
             </a:fld>
             <a:endParaRPr lang="en-IN"/>
           </a:p>
@@ -4920,6 +4901,7 @@
               <a:rPr lang="en-IN" dirty="0"/>
               <a:t>TOURIST GUIDE MANAGEMENT SYSTEM</a:t>
             </a:r>
+            <a:endParaRPr lang="en-IN" dirty="0"/>
           </a:p>
         </p:txBody>
       </p:sp>
@@ -5410,20 +5392,14 @@
       </p:sp>
       <p:pic>
         <p:nvPicPr>
-          <p:cNvPr id="5" name="Picture 4">
-            <a:extLst>
-              <a:ext uri="{FF2B5EF4-FFF2-40B4-BE49-F238E27FC236}">
-                <a16:creationId xmlns:a16="http://schemas.microsoft.com/office/drawing/2014/main" id="{EF65CD65-7606-4572-96B9-586EDF78F84D}"/>
-              </a:ext>
-            </a:extLst>
-          </p:cNvPr>
+          <p:cNvPr id="5" name="Picture 4"/>
           <p:cNvPicPr>
             <a:picLocks noChangeAspect="1"/>
           </p:cNvPicPr>
           <p:nvPr/>
         </p:nvPicPr>
         <p:blipFill>
-          <a:blip r:embed="rId3">
+          <a:blip r:embed="rId1">
             <a:extLst>
               <a:ext uri="{28A0092B-C50C-407E-A947-70E740481C1C}">
                 <a14:useLocalDpi xmlns:a14="http://schemas.microsoft.com/office/drawing/2010/main" val="0"/>
@@ -5488,6 +5464,7 @@
               <a:rPr lang="en-IN" dirty="0"/>
               <a:t>LEVEL 1:</a:t>
             </a:r>
+            <a:endParaRPr lang="en-IN" dirty="0"/>
           </a:p>
           <a:p>
             <a:endParaRPr lang="en-IN" dirty="0"/>
@@ -5515,20 +5492,14 @@
       </p:sp>
       <p:pic>
         <p:nvPicPr>
-          <p:cNvPr id="7" name="Picture 6">
-            <a:extLst>
-              <a:ext uri="{FF2B5EF4-FFF2-40B4-BE49-F238E27FC236}">
-                <a16:creationId xmlns:a16="http://schemas.microsoft.com/office/drawing/2014/main" id="{DF94C905-AC1F-42D7-9168-4F350B0CB459}"/>
-              </a:ext>
-            </a:extLst>
-          </p:cNvPr>
+          <p:cNvPr id="7" name="Picture 6"/>
           <p:cNvPicPr>
             <a:picLocks noChangeAspect="1"/>
           </p:cNvPicPr>
           <p:nvPr/>
         </p:nvPicPr>
         <p:blipFill>
-          <a:blip r:embed="rId2">
+          <a:blip r:embed="rId1">
             <a:extLst>
               <a:ext uri="{28A0092B-C50C-407E-A947-70E740481C1C}">
                 <a14:useLocalDpi xmlns:a14="http://schemas.microsoft.com/office/drawing/2010/main" val="0"/>
@@ -5646,6 +5617,13 @@
               </a:rPr>
               <a:t>	</a:t>
             </a:r>
+            <a:endParaRPr lang="en-IN" dirty="0">
+              <a:solidFill>
+                <a:schemeClr val="accent2">
+                  <a:lumMod val="50000"/>
+                </a:schemeClr>
+              </a:solidFill>
+            </a:endParaRPr>
           </a:p>
         </p:txBody>
       </p:sp>
@@ -5780,6 +5758,7 @@
               <a:rPr lang="en-IN" dirty="0"/>
               <a:t>ABSTRACT</a:t>
             </a:r>
+            <a:endParaRPr lang="en-IN" dirty="0"/>
           </a:p>
         </p:txBody>
       </p:sp>
@@ -5827,18 +5806,21 @@
               <a:rPr lang="en-IN" dirty="0"/>
               <a:t>Processor				:  P 4 700 GHz.</a:t>
             </a:r>
+            <a:endParaRPr lang="en-IN" dirty="0"/>
           </a:p>
           <a:p>
             <a:r>
               <a:rPr lang="en-IN" dirty="0"/>
               <a:t>RAM					:  256MB RAM</a:t>
             </a:r>
+            <a:endParaRPr lang="en-IN" dirty="0"/>
           </a:p>
           <a:p>
             <a:r>
               <a:rPr lang="en-IN" dirty="0"/>
               <a:t>Hard Disk Drive			:  40 GB HDD</a:t>
             </a:r>
+            <a:endParaRPr lang="en-IN" dirty="0"/>
           </a:p>
           <a:p>
             <a:endParaRPr lang="en-IN" dirty="0"/>
@@ -5866,6 +5848,7 @@
               <a:rPr lang="en-IN" dirty="0"/>
               <a:t>Hardware Specification</a:t>
             </a:r>
+            <a:endParaRPr lang="en-IN" dirty="0"/>
           </a:p>
         </p:txBody>
       </p:sp>
@@ -5913,18 +5896,21 @@
               <a:rPr lang="en-IN" dirty="0"/>
               <a:t>Operating System 	:  Windows XP/7/8/10</a:t>
             </a:r>
+            <a:endParaRPr lang="en-IN" dirty="0"/>
           </a:p>
           <a:p>
             <a:r>
               <a:rPr lang="en-IN" dirty="0"/>
               <a:t>Front End		:  JAVA		</a:t>
             </a:r>
+            <a:endParaRPr lang="en-IN" dirty="0"/>
           </a:p>
           <a:p>
             <a:r>
               <a:rPr lang="en-IN" dirty="0"/>
               <a:t>Back End		:  MY SQL</a:t>
             </a:r>
+            <a:endParaRPr lang="en-IN" dirty="0"/>
           </a:p>
           <a:p>
             <a:endParaRPr lang="en-IN" dirty="0"/>
@@ -6097,12 +6083,14 @@
               <a:rPr lang="en-IN" dirty="0"/>
               <a:t>This system is not an user friendly.</a:t>
             </a:r>
+            <a:endParaRPr lang="en-IN" dirty="0"/>
           </a:p>
           <a:p>
             <a:r>
               <a:rPr lang="en-IN" dirty="0"/>
               <a:t>Can’t use all users</a:t>
             </a:r>
+            <a:endParaRPr lang="en-IN" dirty="0"/>
           </a:p>
         </p:txBody>
       </p:sp>
@@ -6275,18 +6263,21 @@
               <a:rPr lang="en-IN" dirty="0"/>
               <a:t>User no need to google it.</a:t>
             </a:r>
+            <a:endParaRPr lang="en-IN" dirty="0"/>
           </a:p>
           <a:p>
             <a:r>
               <a:rPr lang="en-IN" dirty="0"/>
               <a:t>Save time</a:t>
             </a:r>
+            <a:endParaRPr lang="en-IN" dirty="0"/>
           </a:p>
           <a:p>
             <a:r>
               <a:rPr lang="en-IN" dirty="0"/>
               <a:t>Amazing web site design</a:t>
             </a:r>
+            <a:endParaRPr lang="en-IN" dirty="0"/>
           </a:p>
         </p:txBody>
       </p:sp>
@@ -6810,8 +6801,6 @@
       </a:bgFillStyleLst>
     </a:fmtScheme>
   </a:themeElements>
-  <a:objectDefaults/>
-  <a:extraClrSchemeLst/>
   <a:extLst>
     <a:ext uri="{05A4C25C-085E-4340-85A3-A5531E510DB2}">
       <thm15:themeFamily xmlns:thm15="http://schemas.microsoft.com/office/thememl/2012/main" name="Office Theme" id="{62F939B6-93AF-4DB8-9C6B-D6C7DFDC589F}" vid="{4A3C46E8-61CC-4603-A589-7422A47A8E4A}"/>
@@ -7071,8 +7060,6 @@
       </a:bgFillStyleLst>
     </a:fmtScheme>
   </a:themeElements>
-  <a:objectDefaults/>
-  <a:extraClrSchemeLst/>
   <a:extLst>
     <a:ext uri="{05A4C25C-085E-4340-85A3-A5531E510DB2}">
       <thm15:themeFamily xmlns:thm15="http://schemas.microsoft.com/office/thememl/2012/main" name="Office Theme" id="{62F939B6-93AF-4DB8-9C6B-D6C7DFDC589F}" vid="{4A3C46E8-61CC-4603-A589-7422A47A8E4A}"/>
